--- a/docs/figures/architecture.pptx
+++ b/docs/figures/architecture.pptx
@@ -261,7 +261,7 @@
           <a:p>
             <a:fld id="{64BAAD8E-578F-4F7F-9E38-C76722669881}" type="datetimeFigureOut">
               <a:rPr lang="en-CA" smtClean="0"/>
-              <a:t>2023-02-08</a:t>
+              <a:t>2023-04-24</a:t>
             </a:fld>
             <a:endParaRPr lang="en-CA"/>
           </a:p>
@@ -461,7 +461,7 @@
           <a:p>
             <a:fld id="{64BAAD8E-578F-4F7F-9E38-C76722669881}" type="datetimeFigureOut">
               <a:rPr lang="en-CA" smtClean="0"/>
-              <a:t>2023-02-08</a:t>
+              <a:t>2023-04-24</a:t>
             </a:fld>
             <a:endParaRPr lang="en-CA"/>
           </a:p>
@@ -671,7 +671,7 @@
           <a:p>
             <a:fld id="{64BAAD8E-578F-4F7F-9E38-C76722669881}" type="datetimeFigureOut">
               <a:rPr lang="en-CA" smtClean="0"/>
-              <a:t>2023-02-08</a:t>
+              <a:t>2023-04-24</a:t>
             </a:fld>
             <a:endParaRPr lang="en-CA"/>
           </a:p>
@@ -871,7 +871,7 @@
           <a:p>
             <a:fld id="{64BAAD8E-578F-4F7F-9E38-C76722669881}" type="datetimeFigureOut">
               <a:rPr lang="en-CA" smtClean="0"/>
-              <a:t>2023-02-08</a:t>
+              <a:t>2023-04-24</a:t>
             </a:fld>
             <a:endParaRPr lang="en-CA"/>
           </a:p>
@@ -1147,7 +1147,7 @@
           <a:p>
             <a:fld id="{64BAAD8E-578F-4F7F-9E38-C76722669881}" type="datetimeFigureOut">
               <a:rPr lang="en-CA" smtClean="0"/>
-              <a:t>2023-02-08</a:t>
+              <a:t>2023-04-24</a:t>
             </a:fld>
             <a:endParaRPr lang="en-CA"/>
           </a:p>
@@ -1415,7 +1415,7 @@
           <a:p>
             <a:fld id="{64BAAD8E-578F-4F7F-9E38-C76722669881}" type="datetimeFigureOut">
               <a:rPr lang="en-CA" smtClean="0"/>
-              <a:t>2023-02-08</a:t>
+              <a:t>2023-04-24</a:t>
             </a:fld>
             <a:endParaRPr lang="en-CA"/>
           </a:p>
@@ -1830,7 +1830,7 @@
           <a:p>
             <a:fld id="{64BAAD8E-578F-4F7F-9E38-C76722669881}" type="datetimeFigureOut">
               <a:rPr lang="en-CA" smtClean="0"/>
-              <a:t>2023-02-08</a:t>
+              <a:t>2023-04-24</a:t>
             </a:fld>
             <a:endParaRPr lang="en-CA"/>
           </a:p>
@@ -1972,7 +1972,7 @@
           <a:p>
             <a:fld id="{64BAAD8E-578F-4F7F-9E38-C76722669881}" type="datetimeFigureOut">
               <a:rPr lang="en-CA" smtClean="0"/>
-              <a:t>2023-02-08</a:t>
+              <a:t>2023-04-24</a:t>
             </a:fld>
             <a:endParaRPr lang="en-CA"/>
           </a:p>
@@ -2085,7 +2085,7 @@
           <a:p>
             <a:fld id="{64BAAD8E-578F-4F7F-9E38-C76722669881}" type="datetimeFigureOut">
               <a:rPr lang="en-CA" smtClean="0"/>
-              <a:t>2023-02-08</a:t>
+              <a:t>2023-04-24</a:t>
             </a:fld>
             <a:endParaRPr lang="en-CA"/>
           </a:p>
@@ -2398,7 +2398,7 @@
           <a:p>
             <a:fld id="{64BAAD8E-578F-4F7F-9E38-C76722669881}" type="datetimeFigureOut">
               <a:rPr lang="en-CA" smtClean="0"/>
-              <a:t>2023-02-08</a:t>
+              <a:t>2023-04-24</a:t>
             </a:fld>
             <a:endParaRPr lang="en-CA"/>
           </a:p>
@@ -2687,7 +2687,7 @@
           <a:p>
             <a:fld id="{64BAAD8E-578F-4F7F-9E38-C76722669881}" type="datetimeFigureOut">
               <a:rPr lang="en-CA" smtClean="0"/>
-              <a:t>2023-02-08</a:t>
+              <a:t>2023-04-24</a:t>
             </a:fld>
             <a:endParaRPr lang="en-CA"/>
           </a:p>
@@ -2930,7 +2930,7 @@
           <a:p>
             <a:fld id="{64BAAD8E-578F-4F7F-9E38-C76722669881}" type="datetimeFigureOut">
               <a:rPr lang="en-CA" smtClean="0"/>
-              <a:t>2023-02-08</a:t>
+              <a:t>2023-04-24</a:t>
             </a:fld>
             <a:endParaRPr lang="en-CA"/>
           </a:p>
@@ -3591,6 +3591,22 @@
           <a:p>
             <a:pPr algn="ctr"/>
             <a:r>
+              <a:rPr lang="de-DE" b="1" dirty="0"/>
+              <a:t>colrev</a:t>
+            </a:r>
+            <a:r>
+              <a:rPr lang="de-DE" dirty="0"/>
+              <a:t> (cli) </a:t>
+            </a:r>
+            <a:r>
+              <a:rPr lang="de-DE" dirty="0" err="1"/>
+              <a:t>or</a:t>
+            </a:r>
+            <a:r>
+              <a:rPr lang="de-DE" dirty="0"/>
+              <a:t> </a:t>
+            </a:r>
+            <a:r>
               <a:rPr lang="en-US" b="1" dirty="0" err="1"/>
               <a:t>colrev_hooks</a:t>
             </a:r>
@@ -3600,23 +3616,7 @@
             </a:r>
             <a:r>
               <a:rPr lang="en-US" dirty="0"/>
-              <a:t>(git pre-commit hooks) </a:t>
-            </a:r>
-            <a:r>
-              <a:rPr lang="de-DE" dirty="0" err="1"/>
-              <a:t>or</a:t>
-            </a:r>
-            <a:r>
-              <a:rPr lang="de-DE" dirty="0"/>
-              <a:t> </a:t>
-            </a:r>
-            <a:r>
-              <a:rPr lang="de-DE" b="1" dirty="0"/>
-              <a:t>colrev</a:t>
-            </a:r>
-            <a:r>
-              <a:rPr lang="de-DE" dirty="0"/>
-              <a:t> (cli)</a:t>
+              <a:t>(git pre-commit hooks)</a:t>
             </a:r>
             <a:endParaRPr lang="en-CA" dirty="0"/>
           </a:p>
